--- a/Figures/perceptronMult.pptx
+++ b/Figures/perceptronMult.pptx
@@ -289,7 +289,7 @@
             <a:fld id="{1D8BD707-D9CF-40AE-B4C6-C98DA3205C09}" type="datetimeFigureOut">
               <a:rPr lang="en-US" smtClean="0"/>
               <a:pPr/>
-              <a:t>7/22/2014</a:t>
+              <a:t>7/24/2014</a:t>
             </a:fld>
             <a:endParaRPr lang="en-US"/>
           </a:p>
@@ -456,7 +456,7 @@
             <a:fld id="{1D8BD707-D9CF-40AE-B4C6-C98DA3205C09}" type="datetimeFigureOut">
               <a:rPr lang="en-US" smtClean="0"/>
               <a:pPr/>
-              <a:t>7/22/2014</a:t>
+              <a:t>7/24/2014</a:t>
             </a:fld>
             <a:endParaRPr lang="en-US"/>
           </a:p>
@@ -633,7 +633,7 @@
             <a:fld id="{1D8BD707-D9CF-40AE-B4C6-C98DA3205C09}" type="datetimeFigureOut">
               <a:rPr lang="en-US" smtClean="0"/>
               <a:pPr/>
-              <a:t>7/22/2014</a:t>
+              <a:t>7/24/2014</a:t>
             </a:fld>
             <a:endParaRPr lang="en-US"/>
           </a:p>
@@ -800,7 +800,7 @@
             <a:fld id="{1D8BD707-D9CF-40AE-B4C6-C98DA3205C09}" type="datetimeFigureOut">
               <a:rPr lang="en-US" smtClean="0"/>
               <a:pPr/>
-              <a:t>7/22/2014</a:t>
+              <a:t>7/24/2014</a:t>
             </a:fld>
             <a:endParaRPr lang="en-US"/>
           </a:p>
@@ -1043,7 +1043,7 @@
             <a:fld id="{1D8BD707-D9CF-40AE-B4C6-C98DA3205C09}" type="datetimeFigureOut">
               <a:rPr lang="en-US" smtClean="0"/>
               <a:pPr/>
-              <a:t>7/22/2014</a:t>
+              <a:t>7/24/2014</a:t>
             </a:fld>
             <a:endParaRPr lang="en-US"/>
           </a:p>
@@ -1328,7 +1328,7 @@
             <a:fld id="{1D8BD707-D9CF-40AE-B4C6-C98DA3205C09}" type="datetimeFigureOut">
               <a:rPr lang="en-US" smtClean="0"/>
               <a:pPr/>
-              <a:t>7/22/2014</a:t>
+              <a:t>7/24/2014</a:t>
             </a:fld>
             <a:endParaRPr lang="en-US"/>
           </a:p>
@@ -1747,7 +1747,7 @@
             <a:fld id="{1D8BD707-D9CF-40AE-B4C6-C98DA3205C09}" type="datetimeFigureOut">
               <a:rPr lang="en-US" smtClean="0"/>
               <a:pPr/>
-              <a:t>7/22/2014</a:t>
+              <a:t>7/24/2014</a:t>
             </a:fld>
             <a:endParaRPr lang="en-US"/>
           </a:p>
@@ -1862,7 +1862,7 @@
             <a:fld id="{1D8BD707-D9CF-40AE-B4C6-C98DA3205C09}" type="datetimeFigureOut">
               <a:rPr lang="en-US" smtClean="0"/>
               <a:pPr/>
-              <a:t>7/22/2014</a:t>
+              <a:t>7/24/2014</a:t>
             </a:fld>
             <a:endParaRPr lang="en-US"/>
           </a:p>
@@ -1954,7 +1954,7 @@
             <a:fld id="{1D8BD707-D9CF-40AE-B4C6-C98DA3205C09}" type="datetimeFigureOut">
               <a:rPr lang="en-US" smtClean="0"/>
               <a:pPr/>
-              <a:t>7/22/2014</a:t>
+              <a:t>7/24/2014</a:t>
             </a:fld>
             <a:endParaRPr lang="en-US"/>
           </a:p>
@@ -2228,7 +2228,7 @@
             <a:fld id="{1D8BD707-D9CF-40AE-B4C6-C98DA3205C09}" type="datetimeFigureOut">
               <a:rPr lang="en-US" smtClean="0"/>
               <a:pPr/>
-              <a:t>7/22/2014</a:t>
+              <a:t>7/24/2014</a:t>
             </a:fld>
             <a:endParaRPr lang="en-US"/>
           </a:p>
@@ -2478,7 +2478,7 @@
             <a:fld id="{1D8BD707-D9CF-40AE-B4C6-C98DA3205C09}" type="datetimeFigureOut">
               <a:rPr lang="en-US" smtClean="0"/>
               <a:pPr/>
-              <a:t>7/22/2014</a:t>
+              <a:t>7/24/2014</a:t>
             </a:fld>
             <a:endParaRPr lang="en-US"/>
           </a:p>
@@ -2688,7 +2688,7 @@
             <a:fld id="{1D8BD707-D9CF-40AE-B4C6-C98DA3205C09}" type="datetimeFigureOut">
               <a:rPr lang="en-US" smtClean="0"/>
               <a:pPr/>
-              <a:t>7/22/2014</a:t>
+              <a:t>7/24/2014</a:t>
             </a:fld>
             <a:endParaRPr lang="en-US"/>
           </a:p>
@@ -3244,9 +3244,10 @@
               <a:t>w</a:t>
             </a:r>
             <a:r>
-              <a:rPr lang="en-US" baseline="-25000" dirty="0" smtClean="0"/>
-              <a:t>0</a:t>
-            </a:r>
+              <a:rPr lang="en-US" baseline="-25000" dirty="0"/>
+              <a:t>1</a:t>
+            </a:r>
+            <a:endParaRPr lang="en-US" baseline="-25000" dirty="0" smtClean="0"/>
           </a:p>
         </p:txBody>
       </p:sp>
@@ -3497,12 +3498,17 @@
           <a:p>
             <a:r>
               <a:rPr lang="en-US" dirty="0" smtClean="0"/>
-              <a:t>-w</a:t>
-            </a:r>
-            <a:r>
-              <a:rPr lang="en-US" baseline="-25000" dirty="0" smtClean="0"/>
-              <a:t>0</a:t>
-            </a:r>
+              <a:t>-</a:t>
+            </a:r>
+            <a:r>
+              <a:rPr lang="en-US" dirty="0" smtClean="0"/>
+              <a:t>w</a:t>
+            </a:r>
+            <a:r>
+              <a:rPr lang="en-US" baseline="-25000" dirty="0"/>
+              <a:t>1</a:t>
+            </a:r>
+            <a:endParaRPr lang="en-US" baseline="-25000" dirty="0" smtClean="0"/>
           </a:p>
         </p:txBody>
       </p:sp>
@@ -3569,9 +3575,10 @@
               <a:t>h</a:t>
             </a:r>
             <a:r>
-              <a:rPr lang="en-US" baseline="-25000" dirty="0" smtClean="0"/>
-              <a:t>0</a:t>
-            </a:r>
+              <a:rPr lang="en-US" baseline="-25000" dirty="0"/>
+              <a:t>1</a:t>
+            </a:r>
+            <a:endParaRPr lang="en-US" baseline="-25000" dirty="0" smtClean="0"/>
           </a:p>
         </p:txBody>
       </p:sp>
@@ -4233,9 +4240,10 @@
               <a:t>w</a:t>
             </a:r>
             <a:r>
-              <a:rPr lang="en-US" baseline="-25000" dirty="0" smtClean="0"/>
-              <a:t>0</a:t>
-            </a:r>
+              <a:rPr lang="en-US" baseline="-25000" dirty="0"/>
+              <a:t>1</a:t>
+            </a:r>
+            <a:endParaRPr lang="en-US" baseline="-25000" dirty="0" smtClean="0"/>
           </a:p>
         </p:txBody>
       </p:sp>
@@ -4370,12 +4378,17 @@
           <a:p>
             <a:r>
               <a:rPr lang="en-US" dirty="0" smtClean="0"/>
-              <a:t>-w</a:t>
-            </a:r>
-            <a:r>
-              <a:rPr lang="en-US" baseline="-25000" dirty="0" smtClean="0"/>
-              <a:t>0</a:t>
-            </a:r>
+              <a:t>-</a:t>
+            </a:r>
+            <a:r>
+              <a:rPr lang="en-US" dirty="0" smtClean="0"/>
+              <a:t>w</a:t>
+            </a:r>
+            <a:r>
+              <a:rPr lang="en-US" baseline="-25000" dirty="0"/>
+              <a:t>1</a:t>
+            </a:r>
+            <a:endParaRPr lang="en-US" baseline="-25000" dirty="0" smtClean="0"/>
           </a:p>
         </p:txBody>
       </p:sp>
@@ -4442,9 +4455,10 @@
               <a:t>h</a:t>
             </a:r>
             <a:r>
-              <a:rPr lang="en-US" baseline="-25000" dirty="0" smtClean="0"/>
-              <a:t>0</a:t>
-            </a:r>
+              <a:rPr lang="en-US" baseline="-25000" dirty="0"/>
+              <a:t>1</a:t>
+            </a:r>
+            <a:endParaRPr lang="en-US" baseline="-25000" dirty="0" smtClean="0"/>
           </a:p>
         </p:txBody>
       </p:sp>
